--- a/document/C1905M-#1-CoffeeShop.pptx
+++ b/document/C1905M-#1-CoffeeShop.pptx
@@ -5,7 +5,7 @@
     <p:sldMasterId id="2147483648" r:id="rId1"/>
   </p:sldMasterIdLst>
   <p:notesMasterIdLst>
-    <p:notesMasterId r:id="rId15"/>
+    <p:notesMasterId r:id="rId14"/>
   </p:notesMasterIdLst>
   <p:sldIdLst>
     <p:sldId id="256" r:id="rId2"/>
@@ -19,8 +19,7 @@
     <p:sldId id="262" r:id="rId10"/>
     <p:sldId id="263" r:id="rId11"/>
     <p:sldId id="264" r:id="rId12"/>
-    <p:sldId id="265" r:id="rId13"/>
-    <p:sldId id="266" r:id="rId14"/>
+    <p:sldId id="266" r:id="rId13"/>
   </p:sldIdLst>
   <p:sldSz cx="12192000" cy="6858000"/>
   <p:notesSz cx="6858000" cy="9144000"/>
@@ -269,7 +268,7 @@
       </p15:sldGuideLst>
     </p:ext>
     <p:ext uri="http://customooxmlschemas.google.com/">
-      <go:slidesCustomData xmlns:go="http://customooxmlschemas.google.com/" xmlns:ahyp="http://schemas.microsoft.com/office/drawing/2018/hyperlinkcolor" xmlns:p15="http://schemas.microsoft.com/office/powerpoint/2012/main" xmlns:p14="http://schemas.microsoft.com/office/powerpoint/2010/main" xmlns:com="http://schemas.openxmlformats.org/drawingml/2006/compatibility" xmlns:pvml="urn:schemas-microsoft-com:office:powerpoint" xmlns:v="urn:schemas-microsoft-com:vml" xmlns:o="urn:schemas-microsoft-com:office:office" xmlns:dgm="http://schemas.openxmlformats.org/drawingml/2006/diagram" xmlns:c="http://schemas.openxmlformats.org/drawingml/2006/chart" xmlns:mv="urn:schemas-microsoft-com:mac:vml" xmlns:mc="http://schemas.openxmlformats.org/markup-compatibility/2006" xmlns="" r:id="rId17" roundtripDataSignature="AMtx7mj8yepyI8oUJzKwiA1FFGW6oJ7cAg=="/>
+      <go:slidesCustomData xmlns="" xmlns:mc="http://schemas.openxmlformats.org/markup-compatibility/2006" xmlns:mv="urn:schemas-microsoft-com:mac:vml" xmlns:c="http://schemas.openxmlformats.org/drawingml/2006/chart" xmlns:dgm="http://schemas.openxmlformats.org/drawingml/2006/diagram" xmlns:o="urn:schemas-microsoft-com:office:office" xmlns:v="urn:schemas-microsoft-com:vml" xmlns:pvml="urn:schemas-microsoft-com:office:powerpoint" xmlns:com="http://schemas.openxmlformats.org/drawingml/2006/compatibility" xmlns:p14="http://schemas.microsoft.com/office/powerpoint/2010/main" xmlns:p15="http://schemas.microsoft.com/office/powerpoint/2012/main" xmlns:ahyp="http://schemas.microsoft.com/office/drawing/2018/hyperlinkcolor" xmlns:go="http://customooxmlschemas.google.com/" r:id="rId17" roundtripDataSignature="AMtx7mj8yepyI8oUJzKwiA1FFGW6oJ7cAg=="/>
     </p:ext>
   </p:extLst>
 </p:presentation>
@@ -1123,110 +1122,6 @@
 </file>
 
 <file path=ppt/notesSlides/notesSlide12.xml><?xml version="1.0" encoding="utf-8"?>
-<p:notes xmlns:a="http://schemas.openxmlformats.org/drawingml/2006/main" xmlns:r="http://schemas.openxmlformats.org/officeDocument/2006/relationships" xmlns:p="http://schemas.openxmlformats.org/presentationml/2006/main" showMasterSp="0" showMasterPhAnim="0">
-  <p:cSld>
-    <p:spTree>
-      <p:nvGrpSpPr>
-        <p:cNvPr id="1" name="Shape 136"/>
-        <p:cNvGrpSpPr/>
-        <p:nvPr/>
-      </p:nvGrpSpPr>
-      <p:grpSpPr>
-        <a:xfrm>
-          <a:off x="0" y="0"/>
-          <a:ext cx="0" cy="0"/>
-          <a:chOff x="0" y="0"/>
-          <a:chExt cx="0" cy="0"/>
-        </a:xfrm>
-      </p:grpSpPr>
-      <p:sp>
-        <p:nvSpPr>
-          <p:cNvPr id="137" name="Google Shape;137;p10:notes"/>
-          <p:cNvSpPr txBox="1">
-            <a:spLocks noGrp="1"/>
-          </p:cNvSpPr>
-          <p:nvPr>
-            <p:ph type="body" idx="1"/>
-          </p:nvPr>
-        </p:nvSpPr>
-        <p:spPr>
-          <a:xfrm>
-            <a:off x="685800" y="4343400"/>
-            <a:ext cx="5486399" cy="4114800"/>
-          </a:xfrm>
-          <a:prstGeom prst="rect">
-            <a:avLst/>
-          </a:prstGeom>
-        </p:spPr>
-        <p:txBody>
-          <a:bodyPr spcFirstLastPara="1" wrap="square" lIns="91425" tIns="91425" rIns="91425" bIns="91425" anchor="t" anchorCtr="0">
-            <a:noAutofit/>
-          </a:bodyPr>
-          <a:lstStyle/>
-          <a:p>
-            <a:pPr marL="0" lvl="0" indent="0" algn="l" rtl="0">
-              <a:spcBef>
-                <a:spcPts val="0"/>
-              </a:spcBef>
-              <a:spcAft>
-                <a:spcPts val="0"/>
-              </a:spcAft>
-              <a:buNone/>
-            </a:pPr>
-            <a:endParaRPr/>
-          </a:p>
-        </p:txBody>
-      </p:sp>
-      <p:sp>
-        <p:nvSpPr>
-          <p:cNvPr id="138" name="Google Shape;138;p10:notes"/>
-          <p:cNvSpPr>
-            <a:spLocks noGrp="1" noRot="1" noChangeAspect="1"/>
-          </p:cNvSpPr>
-          <p:nvPr>
-            <p:ph type="sldImg" idx="2"/>
-          </p:nvPr>
-        </p:nvSpPr>
-        <p:spPr>
-          <a:xfrm>
-            <a:off x="1143225" y="685800"/>
-            <a:ext cx="4572225" cy="3429000"/>
-          </a:xfrm>
-          <a:custGeom>
-            <a:avLst/>
-            <a:gdLst/>
-            <a:ahLst/>
-            <a:cxnLst/>
-            <a:rect l="l" t="t" r="r" b="b"/>
-            <a:pathLst>
-              <a:path w="120000" h="120000" extrusionOk="0">
-                <a:moveTo>
-                  <a:pt x="0" y="0"/>
-                </a:moveTo>
-                <a:lnTo>
-                  <a:pt x="120000" y="0"/>
-                </a:lnTo>
-                <a:lnTo>
-                  <a:pt x="120000" y="120000"/>
-                </a:lnTo>
-                <a:lnTo>
-                  <a:pt x="0" y="120000"/>
-                </a:lnTo>
-                <a:close/>
-              </a:path>
-            </a:pathLst>
-          </a:custGeom>
-        </p:spPr>
-      </p:sp>
-    </p:spTree>
-  </p:cSld>
-  <p:clrMapOvr>
-    <a:masterClrMapping/>
-  </p:clrMapOvr>
-</p:notes>
-</file>
-
-<file path=ppt/notesSlides/notesSlide13.xml><?xml version="1.0" encoding="utf-8"?>
 <p:notes xmlns:a="http://schemas.openxmlformats.org/drawingml/2006/main" xmlns:r="http://schemas.openxmlformats.org/officeDocument/2006/relationships" xmlns:p="http://schemas.openxmlformats.org/presentationml/2006/main" showMasterSp="0" showMasterPhAnim="0">
   <p:cSld>
     <p:spTree>
@@ -19020,7 +18915,7 @@
               <a:buNone/>
             </a:pPr>
             <a:r>
-              <a:rPr lang="en-US" sz="3200" b="1" i="0" u="none" strike="noStrike" cap="none">
+              <a:rPr lang="en-US" sz="3200" b="1" i="0" u="none" strike="noStrike" cap="none" dirty="0">
                 <a:solidFill>
                   <a:schemeClr val="lt1"/>
                 </a:solidFill>
@@ -19031,7 +18926,7 @@
               </a:rPr>
               <a:t>BẢO VỆ ĐỒ ÁN SEM II</a:t>
             </a:r>
-            <a:endParaRPr sz="3200" b="1" i="0" u="none" strike="noStrike" cap="none">
+            <a:endParaRPr sz="3200" b="1" i="0" u="none" strike="noStrike" cap="none" dirty="0">
               <a:solidFill>
                 <a:schemeClr val="lt1"/>
               </a:solidFill>
@@ -19086,7 +18981,7 @@
               <a:buNone/>
             </a:pPr>
             <a:r>
-              <a:rPr lang="en-US" sz="2800" b="1" i="0" u="none" strike="noStrike" cap="none">
+              <a:rPr lang="en-US" sz="2800" b="1" i="0" u="none" strike="noStrike" cap="none" dirty="0">
                 <a:solidFill>
                   <a:schemeClr val="lt1"/>
                 </a:solidFill>
@@ -19095,9 +18990,9 @@
                 <a:cs typeface="Arial"/>
                 <a:sym typeface="Arial"/>
               </a:rPr>
-              <a:t>TÊN ĐỒ ÁN</a:t>
-            </a:r>
-            <a:endParaRPr sz="2800" b="1" i="0" u="none" strike="noStrike" cap="none">
+              <a:t>JAVA COFFEE SHOP MANAGEMENT</a:t>
+            </a:r>
+            <a:endParaRPr sz="2800" b="1" i="0" u="none" strike="noStrike" cap="none" dirty="0">
               <a:solidFill>
                 <a:schemeClr val="lt1"/>
               </a:solidFill>
@@ -19618,7 +19513,7 @@
         <p:spPr>
           <a:xfrm>
             <a:off x="1403599" y="1380243"/>
-            <a:ext cx="10515599" cy="1738938"/>
+            <a:ext cx="10515599" cy="2046714"/>
           </a:xfrm>
           <a:prstGeom prst="rect">
             <a:avLst/>
@@ -19768,6 +19663,22 @@
             </a:r>
             <a:r>
               <a:rPr lang="en-US" sz="2000" dirty="0"/>
+              <a:t>, </a:t>
+            </a:r>
+            <a:r>
+              <a:rPr lang="en-US" sz="2000" dirty="0" err="1"/>
+              <a:t>người</a:t>
+            </a:r>
+            <a:r>
+              <a:rPr lang="en-US" sz="2000" dirty="0"/>
+              <a:t> </a:t>
+            </a:r>
+            <a:r>
+              <a:rPr lang="en-US" sz="2000" dirty="0" err="1"/>
+              <a:t>dùng</a:t>
+            </a:r>
+            <a:r>
+              <a:rPr lang="en-US" sz="2000" dirty="0"/>
               <a:t>, …</a:t>
             </a:r>
           </a:p>
@@ -19782,7 +19693,7 @@
             </a:r>
             <a:r>
               <a:rPr lang="en-US" sz="2000" dirty="0" err="1"/>
-              <a:t>Đăng</a:t>
+              <a:t>Phân</a:t>
             </a:r>
             <a:r>
               <a:rPr lang="en-US" sz="2000" dirty="0"/>
@@ -19790,8 +19701,11 @@
             </a:r>
             <a:r>
               <a:rPr lang="en-US" sz="2000" dirty="0" err="1"/>
-              <a:t>nhập</a:t>
-            </a:r>
+              <a:t>quyền</a:t>
+            </a:r>
+            <a:endParaRPr lang="en-US" sz="2000" dirty="0"/>
+          </a:p>
+          <a:p>
             <a:endParaRPr lang="en-US" sz="2000" dirty="0"/>
           </a:p>
         </p:txBody>
@@ -19895,11 +19809,11 @@
             </a:pPr>
             <a:r>
               <a:rPr lang="en-US" sz="2000" dirty="0"/>
-              <a:t>CRUD: </a:t>
+              <a:t> </a:t>
             </a:r>
             <a:r>
               <a:rPr lang="en-US" sz="2000" dirty="0" err="1"/>
-              <a:t>Danh</a:t>
+              <a:t>Thiết</a:t>
             </a:r>
             <a:r>
               <a:rPr lang="en-US" sz="2000" dirty="0"/>
@@ -19907,27 +19821,11 @@
             </a:r>
             <a:r>
               <a:rPr lang="en-US" sz="2000" dirty="0" err="1"/>
-              <a:t>mục</a:t>
+              <a:t>kế</a:t>
             </a:r>
             <a:r>
               <a:rPr lang="en-US" sz="2000" dirty="0"/>
-              <a:t>, </a:t>
-            </a:r>
-            <a:r>
-              <a:rPr lang="en-US" sz="2000" dirty="0" err="1"/>
-              <a:t>sản</a:t>
-            </a:r>
-            <a:r>
-              <a:rPr lang="en-US" sz="2000" dirty="0"/>
-              <a:t> </a:t>
-            </a:r>
-            <a:r>
-              <a:rPr lang="en-US" sz="2000" dirty="0" err="1"/>
-              <a:t>phẩm</a:t>
-            </a:r>
-            <a:r>
-              <a:rPr lang="en-US" sz="2000" dirty="0"/>
-              <a:t>, …</a:t>
+              <a:t> CSDL</a:t>
             </a:r>
           </a:p>
           <a:p>
@@ -19937,11 +19835,11 @@
             </a:pPr>
             <a:r>
               <a:rPr lang="en-US" sz="2000" dirty="0"/>
-              <a:t> </a:t>
+              <a:t> CRUD: </a:t>
             </a:r>
             <a:r>
               <a:rPr lang="en-US" sz="2000" dirty="0" err="1"/>
-              <a:t>Đặt</a:t>
+              <a:t>Khu</a:t>
             </a:r>
             <a:r>
               <a:rPr lang="en-US" sz="2000" dirty="0"/>
@@ -19949,7 +19847,7 @@
             </a:r>
             <a:r>
               <a:rPr lang="en-US" sz="2000" dirty="0" err="1"/>
-              <a:t>bàn</a:t>
+              <a:t>vực</a:t>
             </a:r>
             <a:r>
               <a:rPr lang="en-US" sz="2000" dirty="0"/>
@@ -19957,7 +19855,7 @@
             </a:r>
             <a:r>
               <a:rPr lang="en-US" sz="2000" dirty="0" err="1"/>
-              <a:t>tìm</a:t>
+              <a:t>bàn</a:t>
             </a:r>
             <a:r>
               <a:rPr lang="en-US" sz="2000" dirty="0"/>
@@ -19965,7 +19863,15 @@
             </a:r>
             <a:r>
               <a:rPr lang="en-US" sz="2000" dirty="0" err="1"/>
-              <a:t>kiếm</a:t>
+              <a:t>ăn</a:t>
+            </a:r>
+            <a:r>
+              <a:rPr lang="en-US" sz="2000" dirty="0"/>
+              <a:t>, </a:t>
+            </a:r>
+            <a:r>
+              <a:rPr lang="en-US" sz="2000" dirty="0" err="1"/>
+              <a:t>hoá</a:t>
             </a:r>
             <a:r>
               <a:rPr lang="en-US" sz="2000" dirty="0"/>
@@ -19973,15 +19879,7 @@
             </a:r>
             <a:r>
               <a:rPr lang="en-US" sz="2000" dirty="0" err="1"/>
-              <a:t>dữ</a:t>
-            </a:r>
-            <a:r>
-              <a:rPr lang="en-US" sz="2000" dirty="0"/>
-              <a:t> </a:t>
-            </a:r>
-            <a:r>
-              <a:rPr lang="en-US" sz="2000" dirty="0" err="1"/>
-              <a:t>liệu</a:t>
+              <a:t>đơn</a:t>
             </a:r>
             <a:r>
               <a:rPr lang="en-US" sz="2000" dirty="0"/>
@@ -19999,7 +19897,7 @@
             </a:r>
             <a:r>
               <a:rPr lang="en-US" sz="2000" dirty="0" err="1"/>
-              <a:t>Phân</a:t>
+              <a:t>Đặt</a:t>
             </a:r>
             <a:r>
               <a:rPr lang="en-US" sz="2000" dirty="0"/>
@@ -20007,11 +19905,66 @@
             </a:r>
             <a:r>
               <a:rPr lang="en-US" sz="2000" dirty="0" err="1"/>
-              <a:t>quyền</a:t>
-            </a:r>
-            <a:endParaRPr lang="en-US" sz="2000" dirty="0"/>
+              <a:t>bàn</a:t>
+            </a:r>
+            <a:r>
+              <a:rPr lang="en-US" sz="2000" dirty="0"/>
+              <a:t>, </a:t>
+            </a:r>
+            <a:r>
+              <a:rPr lang="en-US" sz="2000" dirty="0" err="1"/>
+              <a:t>tìm</a:t>
+            </a:r>
+            <a:r>
+              <a:rPr lang="en-US" sz="2000" dirty="0"/>
+              <a:t> </a:t>
+            </a:r>
+            <a:r>
+              <a:rPr lang="en-US" sz="2000" dirty="0" err="1"/>
+              <a:t>kiếm</a:t>
+            </a:r>
+            <a:r>
+              <a:rPr lang="en-US" sz="2000" dirty="0"/>
+              <a:t> </a:t>
+            </a:r>
+            <a:r>
+              <a:rPr lang="en-US" sz="2000" dirty="0" err="1"/>
+              <a:t>dữ</a:t>
+            </a:r>
+            <a:r>
+              <a:rPr lang="en-US" sz="2000" dirty="0"/>
+              <a:t> </a:t>
+            </a:r>
+            <a:r>
+              <a:rPr lang="en-US" sz="2000" dirty="0" err="1"/>
+              <a:t>liệu</a:t>
+            </a:r>
+            <a:r>
+              <a:rPr lang="en-US" sz="2000" dirty="0"/>
+              <a:t>, …</a:t>
+            </a:r>
           </a:p>
           <a:p>
+            <a:pPr marL="171450" indent="-171450">
+              <a:buFont typeface="Wingdings" panose="05000000000000000000" pitchFamily="2" charset="2"/>
+              <a:buChar char="Ø"/>
+            </a:pPr>
+            <a:r>
+              <a:rPr lang="en-US" sz="2000" dirty="0"/>
+              <a:t> </a:t>
+            </a:r>
+            <a:r>
+              <a:rPr lang="en-US" sz="2000" dirty="0" err="1"/>
+              <a:t>Đăng</a:t>
+            </a:r>
+            <a:r>
+              <a:rPr lang="en-US" sz="2000" dirty="0"/>
+              <a:t> </a:t>
+            </a:r>
+            <a:r>
+              <a:rPr lang="en-US" sz="2000" dirty="0" err="1"/>
+              <a:t>nhập</a:t>
+            </a:r>
             <a:endParaRPr lang="en-US" sz="2000" dirty="0"/>
           </a:p>
         </p:txBody>
@@ -20538,97 +20491,6 @@
 </file>
 
 <file path=ppt/slides/slide12.xml><?xml version="1.0" encoding="utf-8"?>
-<p:sld xmlns:a="http://schemas.openxmlformats.org/drawingml/2006/main" xmlns:r="http://schemas.openxmlformats.org/officeDocument/2006/relationships" xmlns:p="http://schemas.openxmlformats.org/presentationml/2006/main">
-  <p:cSld>
-    <p:spTree>
-      <p:nvGrpSpPr>
-        <p:cNvPr id="1" name="Shape 139"/>
-        <p:cNvGrpSpPr/>
-        <p:nvPr/>
-      </p:nvGrpSpPr>
-      <p:grpSpPr>
-        <a:xfrm>
-          <a:off x="0" y="0"/>
-          <a:ext cx="0" cy="0"/>
-          <a:chOff x="0" y="0"/>
-          <a:chExt cx="0" cy="0"/>
-        </a:xfrm>
-      </p:grpSpPr>
-      <p:sp>
-        <p:nvSpPr>
-          <p:cNvPr id="140" name="Google Shape;140;p10"/>
-          <p:cNvSpPr txBox="1">
-            <a:spLocks noGrp="1"/>
-          </p:cNvSpPr>
-          <p:nvPr>
-            <p:ph type="body" idx="1"/>
-          </p:nvPr>
-        </p:nvSpPr>
-        <p:spPr>
-          <a:xfrm>
-            <a:off x="76200" y="838200"/>
-            <a:ext cx="11887200" cy="5486400"/>
-          </a:xfrm>
-          <a:prstGeom prst="rect">
-            <a:avLst/>
-          </a:prstGeom>
-          <a:noFill/>
-          <a:ln>
-            <a:noFill/>
-          </a:ln>
-        </p:spPr>
-        <p:txBody>
-          <a:bodyPr spcFirstLastPara="1" wrap="square" lIns="91425" tIns="91425" rIns="91425" bIns="91425" anchor="t" anchorCtr="0">
-            <a:noAutofit/>
-          </a:bodyPr>
-          <a:lstStyle/>
-          <a:p>
-            <a:pPr marL="177800" lvl="0" indent="0" algn="ctr" rtl="0">
-              <a:lnSpc>
-                <a:spcPct val="150000"/>
-              </a:lnSpc>
-              <a:spcBef>
-                <a:spcPts val="0"/>
-              </a:spcBef>
-              <a:spcAft>
-                <a:spcPts val="0"/>
-              </a:spcAft>
-              <a:buSzPts val="7200"/>
-              <a:buNone/>
-            </a:pPr>
-            <a:endParaRPr sz="7200"/>
-          </a:p>
-          <a:p>
-            <a:pPr marL="177800" lvl="0" indent="0" algn="ctr" rtl="0">
-              <a:lnSpc>
-                <a:spcPct val="150000"/>
-              </a:lnSpc>
-              <a:spcBef>
-                <a:spcPts val="1000"/>
-              </a:spcBef>
-              <a:spcAft>
-                <a:spcPts val="0"/>
-              </a:spcAft>
-              <a:buSzPts val="7200"/>
-              <a:buNone/>
-            </a:pPr>
-            <a:r>
-              <a:rPr lang="en-US" sz="7200"/>
-              <a:t>DEMO ỨNG DỤNG</a:t>
-            </a:r>
-            <a:endParaRPr/>
-          </a:p>
-        </p:txBody>
-      </p:sp>
-    </p:spTree>
-  </p:cSld>
-  <p:clrMapOvr>
-    <a:masterClrMapping/>
-  </p:clrMapOvr>
-</p:sld>
-</file>
-
-<file path=ppt/slides/slide13.xml><?xml version="1.0" encoding="utf-8"?>
 <p:sld xmlns:a="http://schemas.openxmlformats.org/drawingml/2006/main" xmlns:r="http://schemas.openxmlformats.org/officeDocument/2006/relationships" xmlns:p="http://schemas.openxmlformats.org/presentationml/2006/main">
   <p:cSld>
     <p:bg>
